--- a/LectureNotes/Fragment Techniques.pptx
+++ b/LectureNotes/Fragment Techniques.pptx
@@ -6,16 +6,19 @@
   </p:sldMasterIdLst>
   <p:sldIdLst>
     <p:sldId id="256" r:id="rId2"/>
-    <p:sldId id="257" r:id="rId3"/>
-    <p:sldId id="259" r:id="rId4"/>
-    <p:sldId id="258" r:id="rId5"/>
-    <p:sldId id="260" r:id="rId6"/>
-    <p:sldId id="261" r:id="rId7"/>
-    <p:sldId id="263" r:id="rId8"/>
-    <p:sldId id="262" r:id="rId9"/>
-    <p:sldId id="264" r:id="rId10"/>
-    <p:sldId id="265" r:id="rId11"/>
-    <p:sldId id="266" r:id="rId12"/>
+    <p:sldId id="267" r:id="rId3"/>
+    <p:sldId id="268" r:id="rId4"/>
+    <p:sldId id="269" r:id="rId5"/>
+    <p:sldId id="257" r:id="rId6"/>
+    <p:sldId id="259" r:id="rId7"/>
+    <p:sldId id="258" r:id="rId8"/>
+    <p:sldId id="260" r:id="rId9"/>
+    <p:sldId id="261" r:id="rId10"/>
+    <p:sldId id="263" r:id="rId11"/>
+    <p:sldId id="262" r:id="rId12"/>
+    <p:sldId id="264" r:id="rId13"/>
+    <p:sldId id="265" r:id="rId14"/>
+    <p:sldId id="266" r:id="rId15"/>
   </p:sldIdLst>
   <p:sldSz cx="12192000" cy="6858000"/>
   <p:notesSz cx="6858000" cy="9144000"/>
@@ -248,7 +251,7 @@
           <a:p>
             <a:fld id="{070E1882-FEEC-4C20-B395-10180749EADC}" type="datetimeFigureOut">
               <a:rPr lang="ko-KR" altLang="en-US" smtClean="0"/>
-              <a:t>2017-11-30</a:t>
+              <a:t>2018-12-05</a:t>
             </a:fld>
             <a:endParaRPr lang="ko-KR" altLang="en-US"/>
           </a:p>
@@ -418,7 +421,7 @@
           <a:p>
             <a:fld id="{070E1882-FEEC-4C20-B395-10180749EADC}" type="datetimeFigureOut">
               <a:rPr lang="ko-KR" altLang="en-US" smtClean="0"/>
-              <a:t>2017-11-30</a:t>
+              <a:t>2018-12-05</a:t>
             </a:fld>
             <a:endParaRPr lang="ko-KR" altLang="en-US"/>
           </a:p>
@@ -598,7 +601,7 @@
           <a:p>
             <a:fld id="{070E1882-FEEC-4C20-B395-10180749EADC}" type="datetimeFigureOut">
               <a:rPr lang="ko-KR" altLang="en-US" smtClean="0"/>
-              <a:t>2017-11-30</a:t>
+              <a:t>2018-12-05</a:t>
             </a:fld>
             <a:endParaRPr lang="ko-KR" altLang="en-US"/>
           </a:p>
@@ -768,7 +771,7 @@
           <a:p>
             <a:fld id="{070E1882-FEEC-4C20-B395-10180749EADC}" type="datetimeFigureOut">
               <a:rPr lang="ko-KR" altLang="en-US" smtClean="0"/>
-              <a:t>2017-11-30</a:t>
+              <a:t>2018-12-05</a:t>
             </a:fld>
             <a:endParaRPr lang="ko-KR" altLang="en-US"/>
           </a:p>
@@ -1014,7 +1017,7 @@
           <a:p>
             <a:fld id="{070E1882-FEEC-4C20-B395-10180749EADC}" type="datetimeFigureOut">
               <a:rPr lang="ko-KR" altLang="en-US" smtClean="0"/>
-              <a:t>2017-11-30</a:t>
+              <a:t>2018-12-05</a:t>
             </a:fld>
             <a:endParaRPr lang="ko-KR" altLang="en-US"/>
           </a:p>
@@ -1246,7 +1249,7 @@
           <a:p>
             <a:fld id="{070E1882-FEEC-4C20-B395-10180749EADC}" type="datetimeFigureOut">
               <a:rPr lang="ko-KR" altLang="en-US" smtClean="0"/>
-              <a:t>2017-11-30</a:t>
+              <a:t>2018-12-05</a:t>
             </a:fld>
             <a:endParaRPr lang="ko-KR" altLang="en-US"/>
           </a:p>
@@ -1613,7 +1616,7 @@
           <a:p>
             <a:fld id="{070E1882-FEEC-4C20-B395-10180749EADC}" type="datetimeFigureOut">
               <a:rPr lang="ko-KR" altLang="en-US" smtClean="0"/>
-              <a:t>2017-11-30</a:t>
+              <a:t>2018-12-05</a:t>
             </a:fld>
             <a:endParaRPr lang="ko-KR" altLang="en-US"/>
           </a:p>
@@ -1731,7 +1734,7 @@
           <a:p>
             <a:fld id="{070E1882-FEEC-4C20-B395-10180749EADC}" type="datetimeFigureOut">
               <a:rPr lang="ko-KR" altLang="en-US" smtClean="0"/>
-              <a:t>2017-11-30</a:t>
+              <a:t>2018-12-05</a:t>
             </a:fld>
             <a:endParaRPr lang="ko-KR" altLang="en-US"/>
           </a:p>
@@ -1826,7 +1829,7 @@
           <a:p>
             <a:fld id="{070E1882-FEEC-4C20-B395-10180749EADC}" type="datetimeFigureOut">
               <a:rPr lang="ko-KR" altLang="en-US" smtClean="0"/>
-              <a:t>2017-11-30</a:t>
+              <a:t>2018-12-05</a:t>
             </a:fld>
             <a:endParaRPr lang="ko-KR" altLang="en-US"/>
           </a:p>
@@ -2103,7 +2106,7 @@
           <a:p>
             <a:fld id="{070E1882-FEEC-4C20-B395-10180749EADC}" type="datetimeFigureOut">
               <a:rPr lang="ko-KR" altLang="en-US" smtClean="0"/>
-              <a:t>2017-11-30</a:t>
+              <a:t>2018-12-05</a:t>
             </a:fld>
             <a:endParaRPr lang="ko-KR" altLang="en-US"/>
           </a:p>
@@ -2356,7 +2359,7 @@
           <a:p>
             <a:fld id="{070E1882-FEEC-4C20-B395-10180749EADC}" type="datetimeFigureOut">
               <a:rPr lang="ko-KR" altLang="en-US" smtClean="0"/>
-              <a:t>2017-11-30</a:t>
+              <a:t>2018-12-05</a:t>
             </a:fld>
             <a:endParaRPr lang="ko-KR" altLang="en-US"/>
           </a:p>
@@ -2569,7 +2572,7 @@
           <a:p>
             <a:fld id="{070E1882-FEEC-4C20-B395-10180749EADC}" type="datetimeFigureOut">
               <a:rPr lang="ko-KR" altLang="en-US" smtClean="0"/>
-              <a:t>2017-11-30</a:t>
+              <a:t>2018-12-05</a:t>
             </a:fld>
             <a:endParaRPr lang="ko-KR" altLang="en-US"/>
           </a:p>
@@ -3076,6 +3079,478 @@
         </p:nvSpPr>
         <p:spPr>
           <a:xfrm>
+            <a:off x="838200" y="436880"/>
+            <a:ext cx="10515600" cy="5740083"/>
+          </a:xfrm>
+        </p:spPr>
+        <p:txBody>
+          <a:bodyPr>
+            <a:normAutofit fontScale="92500"/>
+          </a:bodyPr>
+          <a:lstStyle/>
+          <a:p>
+            <a:pPr marL="0" indent="0">
+              <a:buNone/>
+            </a:pPr>
+            <a:r>
+              <a:rPr lang="en-US" altLang="ko-KR" dirty="0" smtClean="0"/>
+              <a:t>void </a:t>
+            </a:r>
+            <a:r>
+              <a:rPr lang="en-US" altLang="ko-KR" dirty="0" err="1" smtClean="0"/>
+              <a:t>glStencilFunc</a:t>
+            </a:r>
+            <a:r>
+              <a:rPr lang="en-US" altLang="ko-KR" dirty="0" smtClean="0"/>
+              <a:t>( </a:t>
+            </a:r>
+            <a:r>
+              <a:rPr lang="en-US" altLang="ko-KR" dirty="0" err="1" smtClean="0"/>
+              <a:t>GLenum</a:t>
+            </a:r>
+            <a:r>
+              <a:rPr lang="en-US" altLang="ko-KR" dirty="0" smtClean="0"/>
+              <a:t> </a:t>
+            </a:r>
+            <a:r>
+              <a:rPr lang="en-US" altLang="ko-KR" dirty="0" err="1" smtClean="0"/>
+              <a:t>func</a:t>
+            </a:r>
+            <a:r>
+              <a:rPr lang="en-US" altLang="ko-KR" dirty="0" smtClean="0"/>
+              <a:t>, </a:t>
+            </a:r>
+            <a:r>
+              <a:rPr lang="en-US" altLang="ko-KR" dirty="0" err="1" smtClean="0"/>
+              <a:t>GLint</a:t>
+            </a:r>
+            <a:r>
+              <a:rPr lang="en-US" altLang="ko-KR" dirty="0" smtClean="0"/>
+              <a:t> ref, </a:t>
+            </a:r>
+            <a:r>
+              <a:rPr lang="en-US" altLang="ko-KR" dirty="0" err="1" smtClean="0"/>
+              <a:t>GLuint</a:t>
+            </a:r>
+            <a:r>
+              <a:rPr lang="en-US" altLang="ko-KR" dirty="0" smtClean="0"/>
+              <a:t> mask);</a:t>
+            </a:r>
+          </a:p>
+          <a:p>
+            <a:pPr marL="0" indent="0">
+              <a:buNone/>
+            </a:pPr>
+            <a:endParaRPr lang="en-US" altLang="ko-KR" dirty="0" smtClean="0"/>
+          </a:p>
+          <a:p>
+            <a:pPr marL="0" indent="0">
+              <a:buNone/>
+            </a:pPr>
+            <a:r>
+              <a:rPr lang="en-US" altLang="ko-KR" dirty="0" smtClean="0"/>
+              <a:t>Parameters</a:t>
+            </a:r>
+          </a:p>
+          <a:p>
+            <a:r>
+              <a:rPr lang="en-US" altLang="ko-KR" dirty="0" err="1" smtClean="0"/>
+              <a:t>func</a:t>
+            </a:r>
+            <a:r>
+              <a:rPr lang="en-US" altLang="ko-KR" dirty="0" smtClean="0"/>
+              <a:t> </a:t>
+            </a:r>
+          </a:p>
+          <a:p>
+            <a:pPr lvl="1"/>
+            <a:r>
+              <a:rPr lang="en-US" altLang="ko-KR" dirty="0" smtClean="0"/>
+              <a:t>Specifies the test function. Eight symbolic constants are valid: GL_NEVER, GL_LESS, GL_LEQUAL, GL_GREATER, GL_GEQUAL, GL_EQUAL, GL_NOTEQUAL, and GL_ALWAYS. The initial value is GL_ALWAYS. </a:t>
+            </a:r>
+          </a:p>
+          <a:p>
+            <a:r>
+              <a:rPr lang="en-US" altLang="ko-KR" dirty="0" smtClean="0"/>
+              <a:t>ref </a:t>
+            </a:r>
+          </a:p>
+          <a:p>
+            <a:pPr lvl="1"/>
+            <a:r>
+              <a:rPr lang="en-US" altLang="ko-KR" dirty="0" smtClean="0"/>
+              <a:t>Specifies the reference value for the stencil test. ref is clamped to the range [0, 2</a:t>
+            </a:r>
+            <a:r>
+              <a:rPr lang="en-US" altLang="ko-KR" baseline="30000" dirty="0" smtClean="0"/>
+              <a:t>n</a:t>
+            </a:r>
+            <a:r>
+              <a:rPr lang="en-US" altLang="ko-KR" dirty="0" smtClean="0"/>
+              <a:t>−1] where n is the number of </a:t>
+            </a:r>
+            <a:r>
+              <a:rPr lang="en-US" altLang="ko-KR" dirty="0" err="1" smtClean="0"/>
+              <a:t>bitplanes</a:t>
+            </a:r>
+            <a:r>
+              <a:rPr lang="en-US" altLang="ko-KR" dirty="0" smtClean="0"/>
+              <a:t> in the stencil buffer. The initial value is 0. </a:t>
+            </a:r>
+          </a:p>
+          <a:p>
+            <a:r>
+              <a:rPr lang="en-US" altLang="ko-KR" dirty="0" smtClean="0"/>
+              <a:t>mask </a:t>
+            </a:r>
+          </a:p>
+          <a:p>
+            <a:pPr lvl="1"/>
+            <a:r>
+              <a:rPr lang="en-US" altLang="ko-KR" dirty="0" smtClean="0"/>
+              <a:t>Specifies a mask that is </a:t>
+            </a:r>
+            <a:r>
+              <a:rPr lang="en-US" altLang="ko-KR" dirty="0" err="1" smtClean="0"/>
+              <a:t>ANDed</a:t>
+            </a:r>
+            <a:r>
+              <a:rPr lang="en-US" altLang="ko-KR" dirty="0" smtClean="0"/>
+              <a:t> with both the reference value and the stored stencil value when the test is done. The initial value is all 1's. </a:t>
+            </a:r>
+            <a:endParaRPr lang="ko-KR" altLang="en-US" dirty="0"/>
+          </a:p>
+        </p:txBody>
+      </p:sp>
+    </p:spTree>
+    <p:extLst>
+      <p:ext uri="{BB962C8B-B14F-4D97-AF65-F5344CB8AC3E}">
+        <p14:creationId xmlns:p14="http://schemas.microsoft.com/office/powerpoint/2010/main" val="1912361340"/>
+      </p:ext>
+    </p:extLst>
+  </p:cSld>
+  <p:clrMapOvr>
+    <a:masterClrMapping/>
+  </p:clrMapOvr>
+</p:sld>
+</file>
+
+<file path=ppt/slides/slide11.xml><?xml version="1.0" encoding="utf-8"?>
+<p:sld xmlns:a="http://schemas.openxmlformats.org/drawingml/2006/main" xmlns:r="http://schemas.openxmlformats.org/officeDocument/2006/relationships" xmlns:p="http://schemas.openxmlformats.org/presentationml/2006/main">
+  <p:cSld>
+    <p:spTree>
+      <p:nvGrpSpPr>
+        <p:cNvPr id="1" name=""/>
+        <p:cNvGrpSpPr/>
+        <p:nvPr/>
+      </p:nvGrpSpPr>
+      <p:grpSpPr>
+        <a:xfrm>
+          <a:off x="0" y="0"/>
+          <a:ext cx="0" cy="0"/>
+          <a:chOff x="0" y="0"/>
+          <a:chExt cx="0" cy="0"/>
+        </a:xfrm>
+      </p:grpSpPr>
+      <p:sp>
+        <p:nvSpPr>
+          <p:cNvPr id="3" name="내용 개체 틀 2"/>
+          <p:cNvSpPr>
+            <a:spLocks noGrp="1"/>
+          </p:cNvSpPr>
+          <p:nvPr>
+            <p:ph idx="1"/>
+          </p:nvPr>
+        </p:nvSpPr>
+        <p:spPr>
+          <a:xfrm>
+            <a:off x="838200" y="690880"/>
+            <a:ext cx="10515600" cy="5486083"/>
+          </a:xfrm>
+        </p:spPr>
+        <p:txBody>
+          <a:bodyPr>
+            <a:normAutofit fontScale="92500" lnSpcReduction="20000"/>
+          </a:bodyPr>
+          <a:lstStyle/>
+          <a:p>
+            <a:pPr marL="0" indent="0">
+              <a:buNone/>
+            </a:pPr>
+            <a:r>
+              <a:rPr lang="en-US" altLang="ko-KR" dirty="0" smtClean="0"/>
+              <a:t>void </a:t>
+            </a:r>
+            <a:r>
+              <a:rPr lang="en-US" altLang="ko-KR" dirty="0" err="1" smtClean="0"/>
+              <a:t>glStencilOp</a:t>
+            </a:r>
+            <a:r>
+              <a:rPr lang="en-US" altLang="ko-KR" dirty="0" smtClean="0"/>
+              <a:t>(</a:t>
+            </a:r>
+            <a:r>
+              <a:rPr lang="en-US" altLang="ko-KR" dirty="0" err="1" smtClean="0"/>
+              <a:t>GLenum</a:t>
+            </a:r>
+            <a:r>
+              <a:rPr lang="en-US" altLang="ko-KR" dirty="0" smtClean="0"/>
+              <a:t> </a:t>
+            </a:r>
+            <a:r>
+              <a:rPr lang="en-US" altLang="ko-KR" dirty="0" err="1" smtClean="0"/>
+              <a:t>sfail</a:t>
+            </a:r>
+            <a:r>
+              <a:rPr lang="en-US" altLang="ko-KR" dirty="0" smtClean="0"/>
+              <a:t>, </a:t>
+            </a:r>
+            <a:r>
+              <a:rPr lang="en-US" altLang="ko-KR" dirty="0" err="1" smtClean="0"/>
+              <a:t>GLenum</a:t>
+            </a:r>
+            <a:r>
+              <a:rPr lang="en-US" altLang="ko-KR" dirty="0" smtClean="0"/>
+              <a:t> </a:t>
+            </a:r>
+            <a:r>
+              <a:rPr lang="en-US" altLang="ko-KR" dirty="0" err="1" smtClean="0"/>
+              <a:t>dpfail</a:t>
+            </a:r>
+            <a:r>
+              <a:rPr lang="en-US" altLang="ko-KR" dirty="0" smtClean="0"/>
+              <a:t>, </a:t>
+            </a:r>
+            <a:r>
+              <a:rPr lang="en-US" altLang="ko-KR" dirty="0" err="1" smtClean="0"/>
+              <a:t>GLenum</a:t>
+            </a:r>
+            <a:r>
+              <a:rPr lang="en-US" altLang="ko-KR" dirty="0" smtClean="0"/>
+              <a:t> </a:t>
+            </a:r>
+            <a:r>
+              <a:rPr lang="en-US" altLang="ko-KR" dirty="0" err="1" smtClean="0"/>
+              <a:t>dppass</a:t>
+            </a:r>
+            <a:r>
+              <a:rPr lang="en-US" altLang="ko-KR" dirty="0" smtClean="0"/>
+              <a:t>);</a:t>
+            </a:r>
+          </a:p>
+          <a:p>
+            <a:pPr marL="0" indent="0">
+              <a:buNone/>
+            </a:pPr>
+            <a:endParaRPr lang="en-US" altLang="ko-KR" dirty="0" smtClean="0"/>
+          </a:p>
+          <a:p>
+            <a:pPr marL="0" indent="0">
+              <a:buNone/>
+            </a:pPr>
+            <a:r>
+              <a:rPr lang="en-US" altLang="ko-KR" dirty="0" smtClean="0"/>
+              <a:t>Parameters</a:t>
+            </a:r>
+          </a:p>
+          <a:p>
+            <a:r>
+              <a:rPr lang="en-US" altLang="ko-KR" dirty="0" err="1" smtClean="0"/>
+              <a:t>sfail</a:t>
+            </a:r>
+            <a:endParaRPr lang="en-US" altLang="ko-KR" dirty="0" smtClean="0"/>
+          </a:p>
+          <a:p>
+            <a:pPr lvl="1"/>
+            <a:r>
+              <a:rPr lang="en-US" altLang="ko-KR" dirty="0" smtClean="0"/>
+              <a:t>Specifies the action to take when the stencil test fails. Eight symbolic constants are accepted: GL_KEEP, GL_ZERO, GL_REPLACE, GL_INCR, GL_INCR_WRAP, GL_DECR, GL_DECR_WRAP, and GL_INVERT. The initial value is GL_KEEP. </a:t>
+            </a:r>
+          </a:p>
+          <a:p>
+            <a:r>
+              <a:rPr lang="en-US" altLang="ko-KR" dirty="0" err="1" smtClean="0"/>
+              <a:t>dpfail</a:t>
+            </a:r>
+            <a:endParaRPr lang="en-US" altLang="ko-KR" dirty="0" smtClean="0"/>
+          </a:p>
+          <a:p>
+            <a:pPr lvl="1"/>
+            <a:r>
+              <a:rPr lang="en-US" altLang="ko-KR" dirty="0" smtClean="0"/>
+              <a:t>Specifies the stencil action when the stencil test passes, but the depth test fails. </a:t>
+            </a:r>
+            <a:r>
+              <a:rPr lang="en-US" altLang="ko-KR" dirty="0" err="1" smtClean="0"/>
+              <a:t>dpfail</a:t>
+            </a:r>
+            <a:r>
+              <a:rPr lang="en-US" altLang="ko-KR" dirty="0" smtClean="0"/>
+              <a:t> accepts the same symbolic constants as </a:t>
+            </a:r>
+            <a:r>
+              <a:rPr lang="en-US" altLang="ko-KR" dirty="0" err="1" smtClean="0"/>
+              <a:t>sfail</a:t>
+            </a:r>
+            <a:r>
+              <a:rPr lang="en-US" altLang="ko-KR" dirty="0" smtClean="0"/>
+              <a:t>. The initial value is GL_KEEP. </a:t>
+            </a:r>
+          </a:p>
+          <a:p>
+            <a:r>
+              <a:rPr lang="en-US" altLang="ko-KR" dirty="0" err="1" smtClean="0"/>
+              <a:t>dppass</a:t>
+            </a:r>
+            <a:endParaRPr lang="en-US" altLang="ko-KR" dirty="0" smtClean="0"/>
+          </a:p>
+          <a:p>
+            <a:pPr lvl="1"/>
+            <a:r>
+              <a:rPr lang="en-US" altLang="ko-KR" dirty="0" smtClean="0"/>
+              <a:t>Specifies the stencil action when both the stencil test and the depth test pass, or when the stencil test passes and either there is no depth buffer or depth testing is not enabled. </a:t>
+            </a:r>
+            <a:r>
+              <a:rPr lang="en-US" altLang="ko-KR" dirty="0" err="1" smtClean="0"/>
+              <a:t>dppass</a:t>
+            </a:r>
+            <a:r>
+              <a:rPr lang="en-US" altLang="ko-KR" dirty="0" smtClean="0"/>
+              <a:t> accepts the same symbolic constants as </a:t>
+            </a:r>
+            <a:r>
+              <a:rPr lang="en-US" altLang="ko-KR" dirty="0" err="1" smtClean="0"/>
+              <a:t>sfail</a:t>
+            </a:r>
+            <a:r>
+              <a:rPr lang="en-US" altLang="ko-KR" dirty="0" smtClean="0"/>
+              <a:t>. The initial value is GL_KEEP. </a:t>
+            </a:r>
+            <a:endParaRPr lang="ko-KR" altLang="en-US" dirty="0"/>
+          </a:p>
+        </p:txBody>
+      </p:sp>
+    </p:spTree>
+    <p:extLst>
+      <p:ext uri="{BB962C8B-B14F-4D97-AF65-F5344CB8AC3E}">
+        <p14:creationId xmlns:p14="http://schemas.microsoft.com/office/powerpoint/2010/main" val="1838103028"/>
+      </p:ext>
+    </p:extLst>
+  </p:cSld>
+  <p:clrMapOvr>
+    <a:masterClrMapping/>
+  </p:clrMapOvr>
+</p:sld>
+</file>
+
+<file path=ppt/slides/slide12.xml><?xml version="1.0" encoding="utf-8"?>
+<p:sld xmlns:a="http://schemas.openxmlformats.org/drawingml/2006/main" xmlns:r="http://schemas.openxmlformats.org/officeDocument/2006/relationships" xmlns:p="http://schemas.openxmlformats.org/presentationml/2006/main">
+  <p:cSld>
+    <p:spTree>
+      <p:nvGrpSpPr>
+        <p:cNvPr id="1" name=""/>
+        <p:cNvGrpSpPr/>
+        <p:nvPr/>
+      </p:nvGrpSpPr>
+      <p:grpSpPr>
+        <a:xfrm>
+          <a:off x="0" y="0"/>
+          <a:ext cx="0" cy="0"/>
+          <a:chOff x="0" y="0"/>
+          <a:chExt cx="0" cy="0"/>
+        </a:xfrm>
+      </p:grpSpPr>
+      <p:sp>
+        <p:nvSpPr>
+          <p:cNvPr id="2" name="제목 1"/>
+          <p:cNvSpPr>
+            <a:spLocks noGrp="1"/>
+          </p:cNvSpPr>
+          <p:nvPr>
+            <p:ph type="title"/>
+          </p:nvPr>
+        </p:nvSpPr>
+        <p:spPr/>
+        <p:txBody>
+          <a:bodyPr/>
+          <a:lstStyle/>
+          <a:p>
+            <a:r>
+              <a:rPr lang="en-US" altLang="ko-KR" dirty="0" smtClean="0"/>
+              <a:t>Mirror</a:t>
+            </a:r>
+            <a:endParaRPr lang="ko-KR" altLang="en-US" dirty="0"/>
+          </a:p>
+        </p:txBody>
+      </p:sp>
+      <p:pic>
+        <p:nvPicPr>
+          <p:cNvPr id="4" name="내용 개체 틀 3"/>
+          <p:cNvPicPr>
+            <a:picLocks noGrp="1" noChangeAspect="1"/>
+          </p:cNvPicPr>
+          <p:nvPr>
+            <p:ph idx="1"/>
+          </p:nvPr>
+        </p:nvPicPr>
+        <p:blipFill>
+          <a:blip r:embed="rId2"/>
+          <a:stretch>
+            <a:fillRect/>
+          </a:stretch>
+        </p:blipFill>
+        <p:spPr>
+          <a:xfrm>
+            <a:off x="3382579" y="365125"/>
+            <a:ext cx="5812221" cy="6159446"/>
+          </a:xfrm>
+          <a:prstGeom prst="rect">
+            <a:avLst/>
+          </a:prstGeom>
+        </p:spPr>
+      </p:pic>
+    </p:spTree>
+    <p:extLst>
+      <p:ext uri="{BB962C8B-B14F-4D97-AF65-F5344CB8AC3E}">
+        <p14:creationId xmlns:p14="http://schemas.microsoft.com/office/powerpoint/2010/main" val="3858909127"/>
+      </p:ext>
+    </p:extLst>
+  </p:cSld>
+  <p:clrMapOvr>
+    <a:masterClrMapping/>
+  </p:clrMapOvr>
+</p:sld>
+</file>
+
+<file path=ppt/slides/slide13.xml><?xml version="1.0" encoding="utf-8"?>
+<p:sld xmlns:a="http://schemas.openxmlformats.org/drawingml/2006/main" xmlns:r="http://schemas.openxmlformats.org/officeDocument/2006/relationships" xmlns:p="http://schemas.openxmlformats.org/presentationml/2006/main">
+  <p:cSld>
+    <p:spTree>
+      <p:nvGrpSpPr>
+        <p:cNvPr id="1" name=""/>
+        <p:cNvGrpSpPr/>
+        <p:nvPr/>
+      </p:nvGrpSpPr>
+      <p:grpSpPr>
+        <a:xfrm>
+          <a:off x="0" y="0"/>
+          <a:ext cx="0" cy="0"/>
+          <a:chOff x="0" y="0"/>
+          <a:chExt cx="0" cy="0"/>
+        </a:xfrm>
+      </p:grpSpPr>
+      <p:sp>
+        <p:nvSpPr>
+          <p:cNvPr id="3" name="내용 개체 틀 2"/>
+          <p:cNvSpPr>
+            <a:spLocks noGrp="1"/>
+          </p:cNvSpPr>
+          <p:nvPr>
+            <p:ph idx="1"/>
+          </p:nvPr>
+        </p:nvSpPr>
+        <p:spPr>
+          <a:xfrm>
             <a:off x="838200" y="294640"/>
             <a:ext cx="10515600" cy="5882323"/>
           </a:xfrm>
@@ -3419,7 +3894,7 @@
 </p:sld>
 </file>
 
-<file path=ppt/slides/slide11.xml><?xml version="1.0" encoding="utf-8"?>
+<file path=ppt/slides/slide14.xml><?xml version="1.0" encoding="utf-8"?>
 <p:sld xmlns:a="http://schemas.openxmlformats.org/drawingml/2006/main" xmlns:r="http://schemas.openxmlformats.org/officeDocument/2006/relationships" xmlns:p="http://schemas.openxmlformats.org/presentationml/2006/main">
   <p:cSld>
     <p:spTree>
@@ -3530,6 +4005,791 @@
           <a:p>
             <a:r>
               <a:rPr lang="en-US" altLang="ko-KR" dirty="0" smtClean="0"/>
+              <a:t>Fragment</a:t>
+            </a:r>
+            <a:endParaRPr lang="ko-KR" altLang="en-US" dirty="0"/>
+          </a:p>
+        </p:txBody>
+      </p:sp>
+      <p:sp>
+        <p:nvSpPr>
+          <p:cNvPr id="3" name="내용 개체 틀 2"/>
+          <p:cNvSpPr>
+            <a:spLocks noGrp="1"/>
+          </p:cNvSpPr>
+          <p:nvPr>
+            <p:ph idx="1"/>
+          </p:nvPr>
+        </p:nvSpPr>
+        <p:spPr/>
+        <p:txBody>
+          <a:bodyPr/>
+          <a:lstStyle/>
+          <a:p>
+            <a:r>
+              <a:rPr lang="ko-KR" altLang="en-US" dirty="0" smtClean="0"/>
+              <a:t>프레임</a:t>
+            </a:r>
+            <a:r>
+              <a:rPr lang="en-US" altLang="ko-KR" dirty="0" smtClean="0"/>
+              <a:t> </a:t>
+            </a:r>
+            <a:r>
+              <a:rPr lang="ko-KR" altLang="en-US" dirty="0" smtClean="0"/>
+              <a:t>버퍼에 </a:t>
+            </a:r>
+            <a:r>
+              <a:rPr lang="ko-KR" altLang="en-US" dirty="0" err="1" smtClean="0"/>
+              <a:t>렌더링을</a:t>
+            </a:r>
+            <a:r>
+              <a:rPr lang="ko-KR" altLang="en-US" dirty="0" smtClean="0"/>
+              <a:t> 할 때</a:t>
+            </a:r>
+            <a:r>
+              <a:rPr lang="en-US" altLang="ko-KR" dirty="0" smtClean="0"/>
+              <a:t>, </a:t>
+            </a:r>
+            <a:r>
+              <a:rPr lang="ko-KR" altLang="en-US" dirty="0" smtClean="0"/>
+              <a:t>하나의 픽셀을 차지하게 되는 공간을 그리기 위해 필요한 정보</a:t>
+            </a:r>
+            <a:endParaRPr lang="en-US" altLang="ko-KR" dirty="0" smtClean="0"/>
+          </a:p>
+          <a:p>
+            <a:pPr lvl="1"/>
+            <a:r>
+              <a:rPr lang="ko-KR" altLang="en-US" dirty="0" err="1" smtClean="0"/>
+              <a:t>래스터</a:t>
+            </a:r>
+            <a:r>
+              <a:rPr lang="ko-KR" altLang="en-US" dirty="0" smtClean="0"/>
+              <a:t> 좌표</a:t>
+            </a:r>
+            <a:endParaRPr lang="en-US" altLang="ko-KR" dirty="0" smtClean="0"/>
+          </a:p>
+          <a:p>
+            <a:pPr lvl="1"/>
+            <a:r>
+              <a:rPr lang="ko-KR" altLang="en-US" dirty="0" smtClean="0"/>
+              <a:t>깊이</a:t>
+            </a:r>
+            <a:endParaRPr lang="en-US" altLang="ko-KR" dirty="0" smtClean="0"/>
+          </a:p>
+          <a:p>
+            <a:pPr lvl="1"/>
+            <a:r>
+              <a:rPr lang="ko-KR" altLang="en-US" dirty="0" err="1" smtClean="0"/>
+              <a:t>보간된</a:t>
+            </a:r>
+            <a:r>
+              <a:rPr lang="ko-KR" altLang="en-US" dirty="0" smtClean="0"/>
+              <a:t> 정보 </a:t>
+            </a:r>
+            <a:r>
+              <a:rPr lang="en-US" altLang="ko-KR" dirty="0" smtClean="0"/>
+              <a:t>(</a:t>
+            </a:r>
+            <a:r>
+              <a:rPr lang="ko-KR" altLang="en-US" dirty="0" smtClean="0"/>
+              <a:t>색상</a:t>
+            </a:r>
+            <a:r>
+              <a:rPr lang="en-US" altLang="ko-KR" dirty="0" smtClean="0"/>
+              <a:t>, </a:t>
+            </a:r>
+            <a:r>
+              <a:rPr lang="ko-KR" altLang="en-US" dirty="0" smtClean="0"/>
+              <a:t>법선</a:t>
+            </a:r>
+            <a:r>
+              <a:rPr lang="en-US" altLang="ko-KR" dirty="0" smtClean="0"/>
+              <a:t>, </a:t>
+            </a:r>
+            <a:r>
+              <a:rPr lang="ko-KR" altLang="en-US" dirty="0" smtClean="0"/>
+              <a:t>텍스처 좌표 등</a:t>
+            </a:r>
+            <a:r>
+              <a:rPr lang="en-US" altLang="ko-KR" dirty="0" smtClean="0"/>
+              <a:t>)</a:t>
+            </a:r>
+          </a:p>
+          <a:p>
+            <a:pPr lvl="1"/>
+            <a:r>
+              <a:rPr lang="ko-KR" altLang="en-US" dirty="0" smtClean="0"/>
+              <a:t>스텐실</a:t>
+            </a:r>
+            <a:endParaRPr lang="en-US" altLang="ko-KR" dirty="0" smtClean="0"/>
+          </a:p>
+          <a:p>
+            <a:pPr lvl="1"/>
+            <a:r>
+              <a:rPr lang="ko-KR" altLang="en-US" dirty="0" err="1" smtClean="0"/>
+              <a:t>알파값</a:t>
+            </a:r>
+            <a:endParaRPr lang="en-US" altLang="ko-KR" dirty="0" smtClean="0"/>
+          </a:p>
+          <a:p>
+            <a:pPr lvl="1"/>
+            <a:r>
+              <a:rPr lang="en-US" altLang="ko-KR" dirty="0" smtClean="0"/>
+              <a:t>…</a:t>
+            </a:r>
+          </a:p>
+        </p:txBody>
+      </p:sp>
+    </p:spTree>
+    <p:extLst>
+      <p:ext uri="{BB962C8B-B14F-4D97-AF65-F5344CB8AC3E}">
+        <p14:creationId xmlns:p14="http://schemas.microsoft.com/office/powerpoint/2010/main" val="2742852696"/>
+      </p:ext>
+    </p:extLst>
+  </p:cSld>
+  <p:clrMapOvr>
+    <a:masterClrMapping/>
+  </p:clrMapOvr>
+</p:sld>
+</file>
+
+<file path=ppt/slides/slide3.xml><?xml version="1.0" encoding="utf-8"?>
+<p:sld xmlns:a="http://schemas.openxmlformats.org/drawingml/2006/main" xmlns:r="http://schemas.openxmlformats.org/officeDocument/2006/relationships" xmlns:p="http://schemas.openxmlformats.org/presentationml/2006/main">
+  <p:cSld>
+    <p:spTree>
+      <p:nvGrpSpPr>
+        <p:cNvPr id="1" name=""/>
+        <p:cNvGrpSpPr/>
+        <p:nvPr/>
+      </p:nvGrpSpPr>
+      <p:grpSpPr>
+        <a:xfrm>
+          <a:off x="0" y="0"/>
+          <a:ext cx="0" cy="0"/>
+          <a:chOff x="0" y="0"/>
+          <a:chExt cx="0" cy="0"/>
+        </a:xfrm>
+      </p:grpSpPr>
+      <p:sp>
+        <p:nvSpPr>
+          <p:cNvPr id="2" name="제목 1"/>
+          <p:cNvSpPr>
+            <a:spLocks noGrp="1"/>
+          </p:cNvSpPr>
+          <p:nvPr>
+            <p:ph type="title"/>
+          </p:nvPr>
+        </p:nvSpPr>
+        <p:spPr/>
+        <p:txBody>
+          <a:bodyPr/>
+          <a:lstStyle/>
+          <a:p>
+            <a:r>
+              <a:rPr lang="ko-KR" altLang="en-US" dirty="0" smtClean="0"/>
+              <a:t>누적 버퍼를 이용한 </a:t>
+            </a:r>
+            <a:r>
+              <a:rPr lang="ko-KR" altLang="en-US" dirty="0" err="1" smtClean="0"/>
+              <a:t>프래그먼트</a:t>
+            </a:r>
+            <a:r>
+              <a:rPr lang="ko-KR" altLang="en-US" dirty="0" smtClean="0"/>
+              <a:t> 누적</a:t>
+            </a:r>
+            <a:endParaRPr lang="ko-KR" altLang="en-US" dirty="0"/>
+          </a:p>
+        </p:txBody>
+      </p:sp>
+      <p:sp>
+        <p:nvSpPr>
+          <p:cNvPr id="3" name="내용 개체 틀 2"/>
+          <p:cNvSpPr>
+            <a:spLocks noGrp="1"/>
+          </p:cNvSpPr>
+          <p:nvPr>
+            <p:ph idx="1"/>
+          </p:nvPr>
+        </p:nvSpPr>
+        <p:spPr/>
+        <p:txBody>
+          <a:bodyPr>
+            <a:noAutofit/>
+          </a:bodyPr>
+          <a:lstStyle/>
+          <a:p>
+            <a:r>
+              <a:rPr lang="ko-KR" altLang="en-US" sz="2000" dirty="0" smtClean="0"/>
+              <a:t>누적</a:t>
+            </a:r>
+            <a:r>
+              <a:rPr lang="en-US" altLang="ko-KR" sz="2000" dirty="0" smtClean="0"/>
+              <a:t> </a:t>
+            </a:r>
+            <a:r>
+              <a:rPr lang="ko-KR" altLang="en-US" sz="2000" dirty="0" smtClean="0"/>
+              <a:t>버퍼</a:t>
+            </a:r>
+            <a:r>
+              <a:rPr lang="en-US" altLang="ko-KR" sz="2000" dirty="0" smtClean="0"/>
+              <a:t>(Accumulation buffer)</a:t>
+            </a:r>
+          </a:p>
+          <a:p>
+            <a:pPr lvl="1"/>
+            <a:r>
+              <a:rPr lang="en-US" altLang="ko-KR" sz="1800" dirty="0" smtClean="0"/>
+              <a:t>Extended-range color buffer</a:t>
+            </a:r>
+          </a:p>
+          <a:p>
+            <a:pPr lvl="2"/>
+            <a:r>
+              <a:rPr lang="ko-KR" altLang="en-US" sz="1600" dirty="0" smtClean="0"/>
+              <a:t>이미지는 이 버퍼에 바로 그려지지 않은</a:t>
+            </a:r>
+            <a:endParaRPr lang="en-US" altLang="ko-KR" sz="1600" dirty="0" smtClean="0"/>
+          </a:p>
+          <a:p>
+            <a:pPr lvl="2"/>
+            <a:r>
+              <a:rPr lang="ko-KR" altLang="en-US" sz="1600" dirty="0" smtClean="0"/>
+              <a:t>색상 버퍼에 그려진 버퍼가 이 누적 버퍼에 가산됨</a:t>
+            </a:r>
+            <a:endParaRPr lang="en-US" altLang="ko-KR" sz="1600" dirty="0" smtClean="0"/>
+          </a:p>
+          <a:p>
+            <a:pPr lvl="2"/>
+            <a:r>
+              <a:rPr lang="ko-KR" altLang="en-US" sz="1600" dirty="0" err="1" smtClean="0"/>
+              <a:t>안티앨리어싱</a:t>
+            </a:r>
+            <a:r>
+              <a:rPr lang="en-US" altLang="ko-KR" sz="1600" dirty="0" smtClean="0"/>
+              <a:t>, </a:t>
+            </a:r>
+            <a:r>
+              <a:rPr lang="ko-KR" altLang="en-US" sz="1600" dirty="0" err="1" smtClean="0"/>
+              <a:t>모션블러</a:t>
+            </a:r>
+            <a:r>
+              <a:rPr lang="en-US" altLang="ko-KR" sz="1600" dirty="0" smtClean="0"/>
+              <a:t>, depth of field </a:t>
+            </a:r>
+            <a:r>
+              <a:rPr lang="ko-KR" altLang="en-US" sz="1600" dirty="0" smtClean="0"/>
+              <a:t>같은 것들을 표현할 수 있음</a:t>
+            </a:r>
+            <a:endParaRPr lang="en-US" altLang="ko-KR" sz="1600" dirty="0" smtClean="0"/>
+          </a:p>
+          <a:p>
+            <a:pPr lvl="2"/>
+            <a:endParaRPr lang="en-US" altLang="ko-KR" sz="1600" dirty="0"/>
+          </a:p>
+          <a:p>
+            <a:r>
+              <a:rPr lang="ko-KR" altLang="en-US" sz="2000" dirty="0" smtClean="0"/>
+              <a:t>사용할 수 있는 동작</a:t>
+            </a:r>
+            <a:endParaRPr lang="en-US" altLang="ko-KR" sz="2000" dirty="0" smtClean="0"/>
+          </a:p>
+          <a:p>
+            <a:pPr lvl="1"/>
+            <a:r>
+              <a:rPr lang="en-US" altLang="ko-KR" sz="1800" dirty="0" err="1" smtClean="0"/>
+              <a:t>glAccum</a:t>
+            </a:r>
+            <a:r>
+              <a:rPr lang="en-US" altLang="ko-KR" sz="1800" dirty="0" smtClean="0"/>
+              <a:t>(op, </a:t>
+            </a:r>
+            <a:r>
+              <a:rPr lang="en-US" altLang="ko-KR" sz="1800" dirty="0" err="1" smtClean="0"/>
+              <a:t>val</a:t>
+            </a:r>
+            <a:r>
+              <a:rPr lang="en-US" altLang="ko-KR" sz="1800" dirty="0" smtClean="0"/>
+              <a:t>)</a:t>
+            </a:r>
+          </a:p>
+          <a:p>
+            <a:pPr lvl="1"/>
+            <a:r>
+              <a:rPr lang="en-US" altLang="ko-KR" sz="1800" dirty="0" smtClean="0"/>
+              <a:t>op</a:t>
+            </a:r>
+          </a:p>
+          <a:p>
+            <a:pPr lvl="2"/>
+            <a:r>
+              <a:rPr lang="en-US" altLang="ko-KR" sz="1600" dirty="0" smtClean="0"/>
+              <a:t>GL_ACCUM: </a:t>
+            </a:r>
+            <a:r>
+              <a:rPr lang="ko-KR" altLang="en-US" sz="1600" dirty="0" smtClean="0"/>
+              <a:t>현재 선택된 버퍼에서 </a:t>
+            </a:r>
+            <a:r>
+              <a:rPr lang="en-US" altLang="ko-KR" sz="1600" dirty="0" err="1" smtClean="0"/>
+              <a:t>rgba</a:t>
+            </a:r>
+            <a:r>
+              <a:rPr lang="en-US" altLang="ko-KR" sz="1600" dirty="0" smtClean="0"/>
+              <a:t> </a:t>
+            </a:r>
+            <a:r>
+              <a:rPr lang="ko-KR" altLang="en-US" sz="1600" dirty="0" smtClean="0"/>
+              <a:t>값을 얻어 </a:t>
+            </a:r>
+            <a:r>
+              <a:rPr lang="en-US" altLang="ko-KR" sz="1600" dirty="0" smtClean="0"/>
+              <a:t>(</a:t>
+            </a:r>
+            <a:r>
+              <a:rPr lang="ko-KR" altLang="en-US" sz="1600" dirty="0" smtClean="0"/>
+              <a:t>범위 </a:t>
+            </a:r>
+            <a:r>
+              <a:rPr lang="en-US" altLang="ko-KR" sz="1600" dirty="0" smtClean="0"/>
+              <a:t>[0,1]) </a:t>
+            </a:r>
+            <a:r>
+              <a:rPr lang="en-US" altLang="ko-KR" sz="1600" dirty="0" err="1" smtClean="0"/>
+              <a:t>val</a:t>
+            </a:r>
+            <a:r>
+              <a:rPr lang="ko-KR" altLang="en-US" sz="1600" dirty="0" smtClean="0"/>
+              <a:t>을 곱해 누적버퍼에 더해짐</a:t>
+            </a:r>
+            <a:endParaRPr lang="en-US" altLang="ko-KR" sz="1600" dirty="0" smtClean="0"/>
+          </a:p>
+          <a:p>
+            <a:pPr lvl="2"/>
+            <a:r>
+              <a:rPr lang="en-US" altLang="ko-KR" sz="1600" dirty="0" smtClean="0"/>
+              <a:t>GL_LOAD: ACCUM</a:t>
+            </a:r>
+            <a:r>
+              <a:rPr lang="ko-KR" altLang="en-US" sz="1600" dirty="0" smtClean="0"/>
+              <a:t>과 비슷하지만</a:t>
+            </a:r>
+            <a:r>
+              <a:rPr lang="en-US" altLang="ko-KR" sz="1600" dirty="0" smtClean="0"/>
+              <a:t>, </a:t>
+            </a:r>
+            <a:r>
+              <a:rPr lang="ko-KR" altLang="en-US" sz="1600" dirty="0" smtClean="0"/>
+              <a:t>현재 누적버퍼의 값은 사용되지 않고 버려짐</a:t>
+            </a:r>
+            <a:endParaRPr lang="en-US" altLang="ko-KR" sz="1600" dirty="0" smtClean="0"/>
+          </a:p>
+          <a:p>
+            <a:pPr lvl="2"/>
+            <a:r>
+              <a:rPr lang="en-US" altLang="ko-KR" sz="1600" dirty="0" smtClean="0"/>
+              <a:t>GL_ADD: </a:t>
+            </a:r>
+            <a:r>
+              <a:rPr lang="ko-KR" altLang="en-US" sz="1600" dirty="0" smtClean="0"/>
+              <a:t>누적 버퍼의 </a:t>
+            </a:r>
+            <a:r>
+              <a:rPr lang="en-US" altLang="ko-KR" sz="1600" dirty="0" smtClean="0"/>
+              <a:t>RGBA </a:t>
+            </a:r>
+            <a:r>
+              <a:rPr lang="ko-KR" altLang="en-US" sz="1600" dirty="0" smtClean="0"/>
+              <a:t>채널 각각에 </a:t>
+            </a:r>
+            <a:r>
+              <a:rPr lang="en-US" altLang="ko-KR" sz="1600" dirty="0" smtClean="0"/>
+              <a:t>value</a:t>
+            </a:r>
+            <a:r>
+              <a:rPr lang="ko-KR" altLang="en-US" sz="1600" dirty="0" smtClean="0"/>
+              <a:t>가 더해짐</a:t>
+            </a:r>
+            <a:endParaRPr lang="en-US" altLang="ko-KR" sz="1600" dirty="0" smtClean="0"/>
+          </a:p>
+          <a:p>
+            <a:pPr lvl="2"/>
+            <a:r>
+              <a:rPr lang="en-US" altLang="ko-KR" sz="1600" dirty="0" smtClean="0"/>
+              <a:t>GL_MULT: </a:t>
+            </a:r>
+            <a:r>
+              <a:rPr lang="ko-KR" altLang="en-US" sz="1600" dirty="0" smtClean="0"/>
+              <a:t>누적 버퍼의 </a:t>
+            </a:r>
+            <a:r>
+              <a:rPr lang="en-US" altLang="ko-KR" sz="1600" dirty="0" smtClean="0"/>
+              <a:t>RGBA </a:t>
+            </a:r>
+            <a:r>
+              <a:rPr lang="ko-KR" altLang="en-US" sz="1600" dirty="0" smtClean="0"/>
+              <a:t>채널 각각에 </a:t>
+            </a:r>
+            <a:r>
+              <a:rPr lang="en-US" altLang="ko-KR" sz="1600" dirty="0" smtClean="0"/>
+              <a:t>value</a:t>
+            </a:r>
+            <a:r>
+              <a:rPr lang="ko-KR" altLang="en-US" sz="1600" dirty="0" smtClean="0"/>
+              <a:t>가 곱해짐</a:t>
+            </a:r>
+            <a:endParaRPr lang="en-US" altLang="ko-KR" sz="1600" dirty="0" smtClean="0"/>
+          </a:p>
+          <a:p>
+            <a:pPr lvl="2"/>
+            <a:r>
+              <a:rPr lang="en-US" altLang="ko-KR" sz="1600" dirty="0" smtClean="0"/>
+              <a:t>GL_RETURN: </a:t>
+            </a:r>
+            <a:r>
+              <a:rPr lang="ko-KR" altLang="en-US" sz="1600" dirty="0" smtClean="0"/>
+              <a:t>누적 버퍼의 내용에 </a:t>
+            </a:r>
+            <a:r>
+              <a:rPr lang="en-US" altLang="ko-KR" sz="1600" dirty="0" smtClean="0"/>
+              <a:t>value </a:t>
+            </a:r>
+            <a:r>
+              <a:rPr lang="ko-KR" altLang="en-US" sz="1600" dirty="0" smtClean="0"/>
+              <a:t>값을 곱해 색상 버퍼로 보냄</a:t>
+            </a:r>
+            <a:endParaRPr lang="en-US" altLang="ko-KR" sz="1600" dirty="0" smtClean="0"/>
+          </a:p>
+        </p:txBody>
+      </p:sp>
+    </p:spTree>
+    <p:extLst>
+      <p:ext uri="{BB962C8B-B14F-4D97-AF65-F5344CB8AC3E}">
+        <p14:creationId xmlns:p14="http://schemas.microsoft.com/office/powerpoint/2010/main" val="2299197270"/>
+      </p:ext>
+    </p:extLst>
+  </p:cSld>
+  <p:clrMapOvr>
+    <a:masterClrMapping/>
+  </p:clrMapOvr>
+</p:sld>
+</file>
+
+<file path=ppt/slides/slide4.xml><?xml version="1.0" encoding="utf-8"?>
+<p:sld xmlns:a="http://schemas.openxmlformats.org/drawingml/2006/main" xmlns:r="http://schemas.openxmlformats.org/officeDocument/2006/relationships" xmlns:p="http://schemas.openxmlformats.org/presentationml/2006/main">
+  <p:cSld>
+    <p:spTree>
+      <p:nvGrpSpPr>
+        <p:cNvPr id="1" name=""/>
+        <p:cNvGrpSpPr/>
+        <p:nvPr/>
+      </p:nvGrpSpPr>
+      <p:grpSpPr>
+        <a:xfrm>
+          <a:off x="0" y="0"/>
+          <a:ext cx="0" cy="0"/>
+          <a:chOff x="0" y="0"/>
+          <a:chExt cx="0" cy="0"/>
+        </a:xfrm>
+      </p:grpSpPr>
+      <p:sp>
+        <p:nvSpPr>
+          <p:cNvPr id="2" name="제목 1"/>
+          <p:cNvSpPr>
+            <a:spLocks noGrp="1"/>
+          </p:cNvSpPr>
+          <p:nvPr>
+            <p:ph type="title"/>
+          </p:nvPr>
+        </p:nvSpPr>
+        <p:spPr/>
+        <p:txBody>
+          <a:bodyPr/>
+          <a:lstStyle/>
+          <a:p>
+            <a:r>
+              <a:rPr lang="ko-KR" altLang="en-US" dirty="0" smtClean="0"/>
+              <a:t>누적 버퍼를 이용한 모션 </a:t>
+            </a:r>
+            <a:r>
+              <a:rPr lang="ko-KR" altLang="en-US" dirty="0" err="1" smtClean="0"/>
+              <a:t>블러</a:t>
+            </a:r>
+            <a:endParaRPr lang="ko-KR" altLang="en-US" dirty="0"/>
+          </a:p>
+        </p:txBody>
+      </p:sp>
+      <p:sp>
+        <p:nvSpPr>
+          <p:cNvPr id="3" name="내용 개체 틀 2"/>
+          <p:cNvSpPr>
+            <a:spLocks noGrp="1"/>
+          </p:cNvSpPr>
+          <p:nvPr>
+            <p:ph idx="1"/>
+          </p:nvPr>
+        </p:nvSpPr>
+        <p:spPr/>
+        <p:txBody>
+          <a:bodyPr/>
+          <a:lstStyle/>
+          <a:p>
+            <a:r>
+              <a:rPr lang="ko-KR" altLang="en-US" dirty="0" smtClean="0"/>
+              <a:t>어떤 그림이 그려질까</a:t>
+            </a:r>
+            <a:r>
+              <a:rPr lang="en-US" altLang="ko-KR" dirty="0" smtClean="0"/>
+              <a:t>?</a:t>
+            </a:r>
+          </a:p>
+          <a:p>
+            <a:pPr marL="0" indent="0">
+              <a:buNone/>
+            </a:pPr>
+            <a:endParaRPr lang="en-US" altLang="ko-KR" dirty="0" smtClean="0"/>
+          </a:p>
+          <a:p>
+            <a:pPr marL="0" indent="0">
+              <a:buNone/>
+            </a:pPr>
+            <a:r>
+              <a:rPr lang="en-US" altLang="ko-KR" dirty="0" smtClean="0"/>
+              <a:t>angle </a:t>
+            </a:r>
+            <a:r>
+              <a:rPr lang="en-US" altLang="ko-KR" dirty="0"/>
+              <a:t>+= </a:t>
+            </a:r>
+            <a:r>
+              <a:rPr lang="en-US" altLang="ko-KR" dirty="0"/>
+              <a:t>0.1</a:t>
+            </a:r>
+            <a:br>
+              <a:rPr lang="en-US" altLang="ko-KR" dirty="0"/>
+            </a:br>
+            <a:r>
+              <a:rPr lang="en-US" altLang="ko-KR" dirty="0" err="1"/>
+              <a:t>glRotatef</a:t>
+            </a:r>
+            <a:r>
+              <a:rPr lang="en-US" altLang="ko-KR" dirty="0"/>
+              <a:t>(angle</a:t>
+            </a:r>
+            <a:r>
+              <a:rPr lang="en-US" altLang="ko-KR" dirty="0"/>
+              <a:t>, 0,1,0</a:t>
+            </a:r>
+            <a:r>
+              <a:rPr lang="en-US" altLang="ko-KR" dirty="0"/>
+              <a:t>)</a:t>
+            </a:r>
+            <a:br>
+              <a:rPr lang="en-US" altLang="ko-KR" dirty="0"/>
+            </a:br>
+            <a:r>
+              <a:rPr lang="en-US" altLang="ko-KR" dirty="0" err="1"/>
+              <a:t>glTranslatef</a:t>
+            </a:r>
+            <a:r>
+              <a:rPr lang="en-US" altLang="ko-KR" dirty="0"/>
+              <a:t>(</a:t>
+            </a:r>
+            <a:r>
+              <a:rPr lang="en-US" altLang="ko-KR" dirty="0"/>
+              <a:t>5,0,0</a:t>
+            </a:r>
+            <a:r>
+              <a:rPr lang="en-US" altLang="ko-KR" dirty="0"/>
+              <a:t>)</a:t>
+            </a:r>
+            <a:br>
+              <a:rPr lang="en-US" altLang="ko-KR" dirty="0"/>
+            </a:br>
+            <a:r>
+              <a:rPr lang="en-US" altLang="ko-KR" dirty="0" err="1"/>
+              <a:t>glutSolidTeapot</a:t>
+            </a:r>
+            <a:r>
+              <a:rPr lang="en-US" altLang="ko-KR" dirty="0"/>
+              <a:t>(</a:t>
+            </a:r>
+            <a:r>
+              <a:rPr lang="en-US" altLang="ko-KR" dirty="0"/>
+              <a:t>2</a:t>
+            </a:r>
+            <a:r>
+              <a:rPr lang="en-US" altLang="ko-KR" dirty="0"/>
+              <a:t>)</a:t>
+            </a:r>
+            <a:br>
+              <a:rPr lang="en-US" altLang="ko-KR" dirty="0"/>
+            </a:br>
+            <a:r>
+              <a:rPr lang="en-US" altLang="ko-KR" dirty="0"/>
+              <a:t/>
+            </a:r>
+            <a:br>
+              <a:rPr lang="en-US" altLang="ko-KR" dirty="0"/>
+            </a:br>
+            <a:r>
+              <a:rPr lang="en-US" altLang="ko-KR" dirty="0" err="1"/>
+              <a:t>glAccum</a:t>
+            </a:r>
+            <a:r>
+              <a:rPr lang="en-US" altLang="ko-KR" dirty="0"/>
+              <a:t>(GL_MULT</a:t>
+            </a:r>
+            <a:r>
+              <a:rPr lang="en-US" altLang="ko-KR" dirty="0"/>
+              <a:t>, 0.975</a:t>
+            </a:r>
+            <a:r>
+              <a:rPr lang="en-US" altLang="ko-KR" dirty="0"/>
+              <a:t>)</a:t>
+            </a:r>
+            <a:br>
+              <a:rPr lang="en-US" altLang="ko-KR" dirty="0"/>
+            </a:br>
+            <a:r>
+              <a:rPr lang="en-US" altLang="ko-KR" dirty="0" err="1"/>
+              <a:t>glAccum</a:t>
+            </a:r>
+            <a:r>
+              <a:rPr lang="en-US" altLang="ko-KR" dirty="0"/>
+              <a:t>(GL_ACCUM</a:t>
+            </a:r>
+            <a:r>
+              <a:rPr lang="en-US" altLang="ko-KR" dirty="0"/>
+              <a:t>, 0.025</a:t>
+            </a:r>
+            <a:r>
+              <a:rPr lang="en-US" altLang="ko-KR" dirty="0"/>
+              <a:t>)</a:t>
+            </a:r>
+            <a:br>
+              <a:rPr lang="en-US" altLang="ko-KR" dirty="0"/>
+            </a:br>
+            <a:r>
+              <a:rPr lang="en-US" altLang="ko-KR" dirty="0" err="1"/>
+              <a:t>glAccum</a:t>
+            </a:r>
+            <a:r>
+              <a:rPr lang="en-US" altLang="ko-KR" dirty="0"/>
+              <a:t>(GL_RETURN</a:t>
+            </a:r>
+            <a:r>
+              <a:rPr lang="en-US" altLang="ko-KR" dirty="0"/>
+              <a:t>, 1.0</a:t>
+            </a:r>
+            <a:r>
+              <a:rPr lang="en-US" altLang="ko-KR" dirty="0"/>
+              <a:t>)</a:t>
+            </a:r>
+            <a:endParaRPr lang="ko-KR" altLang="en-US" dirty="0"/>
+          </a:p>
+        </p:txBody>
+      </p:sp>
+      <p:pic>
+        <p:nvPicPr>
+          <p:cNvPr id="1026" name="Picture 2"/>
+          <p:cNvPicPr>
+            <a:picLocks noChangeAspect="1" noChangeArrowheads="1"/>
+          </p:cNvPicPr>
+          <p:nvPr/>
+        </p:nvPicPr>
+        <p:blipFill>
+          <a:blip r:embed="rId2">
+            <a:extLst>
+              <a:ext uri="{28A0092B-C50C-407E-A947-70E740481C1C}">
+                <a14:useLocalDpi xmlns:a14="http://schemas.microsoft.com/office/drawing/2010/main" val="0"/>
+              </a:ext>
+            </a:extLst>
+          </a:blip>
+          <a:srcRect/>
+          <a:stretch>
+            <a:fillRect/>
+          </a:stretch>
+        </p:blipFill>
+        <p:spPr bwMode="auto">
+          <a:xfrm>
+            <a:off x="6096000" y="3033465"/>
+            <a:ext cx="4324350" cy="2333625"/>
+          </a:xfrm>
+          <a:prstGeom prst="rect">
+            <a:avLst/>
+          </a:prstGeom>
+          <a:noFill/>
+          <a:ln>
+            <a:noFill/>
+          </a:ln>
+          <a:extLst>
+            <a:ext uri="{909E8E84-426E-40DD-AFC4-6F175D3DCCD1}">
+              <a14:hiddenFill xmlns:a14="http://schemas.microsoft.com/office/drawing/2010/main">
+                <a:solidFill>
+                  <a:schemeClr val="accent1"/>
+                </a:solidFill>
+              </a14:hiddenFill>
+            </a:ext>
+            <a:ext uri="{91240B29-F687-4F45-9708-019B960494DF}">
+              <a14:hiddenLine xmlns:a14="http://schemas.microsoft.com/office/drawing/2010/main" w="9525">
+                <a:solidFill>
+                  <a:schemeClr val="tx1"/>
+                </a:solidFill>
+                <a:miter lim="800000"/>
+                <a:headEnd/>
+                <a:tailEnd/>
+              </a14:hiddenLine>
+            </a:ext>
+          </a:extLst>
+        </p:spPr>
+      </p:pic>
+    </p:spTree>
+    <p:extLst>
+      <p:ext uri="{BB962C8B-B14F-4D97-AF65-F5344CB8AC3E}">
+        <p14:creationId xmlns:p14="http://schemas.microsoft.com/office/powerpoint/2010/main" val="2930584914"/>
+      </p:ext>
+    </p:extLst>
+  </p:cSld>
+  <p:clrMapOvr>
+    <a:masterClrMapping/>
+  </p:clrMapOvr>
+</p:sld>
+</file>
+
+<file path=ppt/slides/slide5.xml><?xml version="1.0" encoding="utf-8"?>
+<p:sld xmlns:a="http://schemas.openxmlformats.org/drawingml/2006/main" xmlns:r="http://schemas.openxmlformats.org/officeDocument/2006/relationships" xmlns:p="http://schemas.openxmlformats.org/presentationml/2006/main">
+  <p:cSld>
+    <p:spTree>
+      <p:nvGrpSpPr>
+        <p:cNvPr id="1" name=""/>
+        <p:cNvGrpSpPr/>
+        <p:nvPr/>
+      </p:nvGrpSpPr>
+      <p:grpSpPr>
+        <a:xfrm>
+          <a:off x="0" y="0"/>
+          <a:ext cx="0" cy="0"/>
+          <a:chOff x="0" y="0"/>
+          <a:chExt cx="0" cy="0"/>
+        </a:xfrm>
+      </p:grpSpPr>
+      <p:sp>
+        <p:nvSpPr>
+          <p:cNvPr id="2" name="제목 1"/>
+          <p:cNvSpPr>
+            <a:spLocks noGrp="1"/>
+          </p:cNvSpPr>
+          <p:nvPr>
+            <p:ph type="title"/>
+          </p:nvPr>
+        </p:nvSpPr>
+        <p:spPr/>
+        <p:txBody>
+          <a:bodyPr/>
+          <a:lstStyle/>
+          <a:p>
+            <a:r>
+              <a:rPr lang="en-US" altLang="ko-KR" dirty="0" smtClean="0"/>
               <a:t>Blending</a:t>
             </a:r>
             <a:endParaRPr lang="ko-KR" altLang="en-US" dirty="0"/>
@@ -3688,7 +4948,7 @@
 </p:sld>
 </file>
 
-<file path=ppt/slides/slide3.xml><?xml version="1.0" encoding="utf-8"?>
+<file path=ppt/slides/slide6.xml><?xml version="1.0" encoding="utf-8"?>
 <p:sld xmlns:a="http://schemas.openxmlformats.org/drawingml/2006/main" xmlns:r="http://schemas.openxmlformats.org/officeDocument/2006/relationships" xmlns:p="http://schemas.openxmlformats.org/presentationml/2006/main">
   <p:cSld>
     <p:spTree>
@@ -3822,7 +5082,7 @@
 </p:sld>
 </file>
 
-<file path=ppt/slides/slide4.xml><?xml version="1.0" encoding="utf-8"?>
+<file path=ppt/slides/slide7.xml><?xml version="1.0" encoding="utf-8"?>
 <p:sld xmlns:a="http://schemas.openxmlformats.org/drawingml/2006/main" xmlns:r="http://schemas.openxmlformats.org/officeDocument/2006/relationships" xmlns:p="http://schemas.openxmlformats.org/presentationml/2006/main">
   <p:cSld>
     <p:spTree>
@@ -4056,7 +5316,7 @@
 </p:sld>
 </file>
 
-<file path=ppt/slides/slide5.xml><?xml version="1.0" encoding="utf-8"?>
+<file path=ppt/slides/slide8.xml><?xml version="1.0" encoding="utf-8"?>
 <p:sld xmlns:a="http://schemas.openxmlformats.org/drawingml/2006/main" xmlns:r="http://schemas.openxmlformats.org/officeDocument/2006/relationships" xmlns:p="http://schemas.openxmlformats.org/presentationml/2006/main">
   <p:cSld>
     <p:spTree>
@@ -4305,7 +5565,7 @@
 </p:sld>
 </file>
 
-<file path=ppt/slides/slide6.xml><?xml version="1.0" encoding="utf-8"?>
+<file path=ppt/slides/slide9.xml><?xml version="1.0" encoding="utf-8"?>
 <p:sld xmlns:a="http://schemas.openxmlformats.org/drawingml/2006/main" xmlns:r="http://schemas.openxmlformats.org/officeDocument/2006/relationships" xmlns:p="http://schemas.openxmlformats.org/presentationml/2006/main">
   <p:cSld>
     <p:spTree>
@@ -4556,478 +5816,6 @@
       </p:par>
     </p:tnLst>
   </p:timing>
-</p:sld>
-</file>
-
-<file path=ppt/slides/slide7.xml><?xml version="1.0" encoding="utf-8"?>
-<p:sld xmlns:a="http://schemas.openxmlformats.org/drawingml/2006/main" xmlns:r="http://schemas.openxmlformats.org/officeDocument/2006/relationships" xmlns:p="http://schemas.openxmlformats.org/presentationml/2006/main">
-  <p:cSld>
-    <p:spTree>
-      <p:nvGrpSpPr>
-        <p:cNvPr id="1" name=""/>
-        <p:cNvGrpSpPr/>
-        <p:nvPr/>
-      </p:nvGrpSpPr>
-      <p:grpSpPr>
-        <a:xfrm>
-          <a:off x="0" y="0"/>
-          <a:ext cx="0" cy="0"/>
-          <a:chOff x="0" y="0"/>
-          <a:chExt cx="0" cy="0"/>
-        </a:xfrm>
-      </p:grpSpPr>
-      <p:sp>
-        <p:nvSpPr>
-          <p:cNvPr id="3" name="내용 개체 틀 2"/>
-          <p:cNvSpPr>
-            <a:spLocks noGrp="1"/>
-          </p:cNvSpPr>
-          <p:nvPr>
-            <p:ph idx="1"/>
-          </p:nvPr>
-        </p:nvSpPr>
-        <p:spPr>
-          <a:xfrm>
-            <a:off x="838200" y="436880"/>
-            <a:ext cx="10515600" cy="5740083"/>
-          </a:xfrm>
-        </p:spPr>
-        <p:txBody>
-          <a:bodyPr>
-            <a:normAutofit fontScale="92500"/>
-          </a:bodyPr>
-          <a:lstStyle/>
-          <a:p>
-            <a:pPr marL="0" indent="0">
-              <a:buNone/>
-            </a:pPr>
-            <a:r>
-              <a:rPr lang="en-US" altLang="ko-KR" dirty="0" smtClean="0"/>
-              <a:t>void </a:t>
-            </a:r>
-            <a:r>
-              <a:rPr lang="en-US" altLang="ko-KR" dirty="0" err="1" smtClean="0"/>
-              <a:t>glStencilFunc</a:t>
-            </a:r>
-            <a:r>
-              <a:rPr lang="en-US" altLang="ko-KR" dirty="0" smtClean="0"/>
-              <a:t>( </a:t>
-            </a:r>
-            <a:r>
-              <a:rPr lang="en-US" altLang="ko-KR" dirty="0" err="1" smtClean="0"/>
-              <a:t>GLenum</a:t>
-            </a:r>
-            <a:r>
-              <a:rPr lang="en-US" altLang="ko-KR" dirty="0" smtClean="0"/>
-              <a:t> </a:t>
-            </a:r>
-            <a:r>
-              <a:rPr lang="en-US" altLang="ko-KR" dirty="0" err="1" smtClean="0"/>
-              <a:t>func</a:t>
-            </a:r>
-            <a:r>
-              <a:rPr lang="en-US" altLang="ko-KR" dirty="0" smtClean="0"/>
-              <a:t>, </a:t>
-            </a:r>
-            <a:r>
-              <a:rPr lang="en-US" altLang="ko-KR" dirty="0" err="1" smtClean="0"/>
-              <a:t>GLint</a:t>
-            </a:r>
-            <a:r>
-              <a:rPr lang="en-US" altLang="ko-KR" dirty="0" smtClean="0"/>
-              <a:t> ref, </a:t>
-            </a:r>
-            <a:r>
-              <a:rPr lang="en-US" altLang="ko-KR" dirty="0" err="1" smtClean="0"/>
-              <a:t>GLuint</a:t>
-            </a:r>
-            <a:r>
-              <a:rPr lang="en-US" altLang="ko-KR" dirty="0" smtClean="0"/>
-              <a:t> mask);</a:t>
-            </a:r>
-          </a:p>
-          <a:p>
-            <a:pPr marL="0" indent="0">
-              <a:buNone/>
-            </a:pPr>
-            <a:endParaRPr lang="en-US" altLang="ko-KR" dirty="0" smtClean="0"/>
-          </a:p>
-          <a:p>
-            <a:pPr marL="0" indent="0">
-              <a:buNone/>
-            </a:pPr>
-            <a:r>
-              <a:rPr lang="en-US" altLang="ko-KR" dirty="0" smtClean="0"/>
-              <a:t>Parameters</a:t>
-            </a:r>
-          </a:p>
-          <a:p>
-            <a:r>
-              <a:rPr lang="en-US" altLang="ko-KR" dirty="0" err="1" smtClean="0"/>
-              <a:t>func</a:t>
-            </a:r>
-            <a:r>
-              <a:rPr lang="en-US" altLang="ko-KR" dirty="0" smtClean="0"/>
-              <a:t> </a:t>
-            </a:r>
-          </a:p>
-          <a:p>
-            <a:pPr lvl="1"/>
-            <a:r>
-              <a:rPr lang="en-US" altLang="ko-KR" dirty="0" smtClean="0"/>
-              <a:t>Specifies the test function. Eight symbolic constants are valid: GL_NEVER, GL_LESS, GL_LEQUAL, GL_GREATER, GL_GEQUAL, GL_EQUAL, GL_NOTEQUAL, and GL_ALWAYS. The initial value is GL_ALWAYS. </a:t>
-            </a:r>
-          </a:p>
-          <a:p>
-            <a:r>
-              <a:rPr lang="en-US" altLang="ko-KR" dirty="0" smtClean="0"/>
-              <a:t>ref </a:t>
-            </a:r>
-          </a:p>
-          <a:p>
-            <a:pPr lvl="1"/>
-            <a:r>
-              <a:rPr lang="en-US" altLang="ko-KR" dirty="0" smtClean="0"/>
-              <a:t>Specifies the reference value for the stencil test. ref is clamped to the range [0, 2</a:t>
-            </a:r>
-            <a:r>
-              <a:rPr lang="en-US" altLang="ko-KR" baseline="30000" dirty="0" smtClean="0"/>
-              <a:t>n</a:t>
-            </a:r>
-            <a:r>
-              <a:rPr lang="en-US" altLang="ko-KR" dirty="0" smtClean="0"/>
-              <a:t>−1] where n is the number of </a:t>
-            </a:r>
-            <a:r>
-              <a:rPr lang="en-US" altLang="ko-KR" dirty="0" err="1" smtClean="0"/>
-              <a:t>bitplanes</a:t>
-            </a:r>
-            <a:r>
-              <a:rPr lang="en-US" altLang="ko-KR" dirty="0" smtClean="0"/>
-              <a:t> in the stencil buffer. The initial value is 0. </a:t>
-            </a:r>
-          </a:p>
-          <a:p>
-            <a:r>
-              <a:rPr lang="en-US" altLang="ko-KR" dirty="0" smtClean="0"/>
-              <a:t>mask </a:t>
-            </a:r>
-          </a:p>
-          <a:p>
-            <a:pPr lvl="1"/>
-            <a:r>
-              <a:rPr lang="en-US" altLang="ko-KR" dirty="0" smtClean="0"/>
-              <a:t>Specifies a mask that is </a:t>
-            </a:r>
-            <a:r>
-              <a:rPr lang="en-US" altLang="ko-KR" dirty="0" err="1" smtClean="0"/>
-              <a:t>ANDed</a:t>
-            </a:r>
-            <a:r>
-              <a:rPr lang="en-US" altLang="ko-KR" dirty="0" smtClean="0"/>
-              <a:t> with both the reference value and the stored stencil value when the test is done. The initial value is all 1's. </a:t>
-            </a:r>
-            <a:endParaRPr lang="ko-KR" altLang="en-US" dirty="0"/>
-          </a:p>
-        </p:txBody>
-      </p:sp>
-    </p:spTree>
-    <p:extLst>
-      <p:ext uri="{BB962C8B-B14F-4D97-AF65-F5344CB8AC3E}">
-        <p14:creationId xmlns:p14="http://schemas.microsoft.com/office/powerpoint/2010/main" val="1912361340"/>
-      </p:ext>
-    </p:extLst>
-  </p:cSld>
-  <p:clrMapOvr>
-    <a:masterClrMapping/>
-  </p:clrMapOvr>
-</p:sld>
-</file>
-
-<file path=ppt/slides/slide8.xml><?xml version="1.0" encoding="utf-8"?>
-<p:sld xmlns:a="http://schemas.openxmlformats.org/drawingml/2006/main" xmlns:r="http://schemas.openxmlformats.org/officeDocument/2006/relationships" xmlns:p="http://schemas.openxmlformats.org/presentationml/2006/main">
-  <p:cSld>
-    <p:spTree>
-      <p:nvGrpSpPr>
-        <p:cNvPr id="1" name=""/>
-        <p:cNvGrpSpPr/>
-        <p:nvPr/>
-      </p:nvGrpSpPr>
-      <p:grpSpPr>
-        <a:xfrm>
-          <a:off x="0" y="0"/>
-          <a:ext cx="0" cy="0"/>
-          <a:chOff x="0" y="0"/>
-          <a:chExt cx="0" cy="0"/>
-        </a:xfrm>
-      </p:grpSpPr>
-      <p:sp>
-        <p:nvSpPr>
-          <p:cNvPr id="3" name="내용 개체 틀 2"/>
-          <p:cNvSpPr>
-            <a:spLocks noGrp="1"/>
-          </p:cNvSpPr>
-          <p:nvPr>
-            <p:ph idx="1"/>
-          </p:nvPr>
-        </p:nvSpPr>
-        <p:spPr>
-          <a:xfrm>
-            <a:off x="838200" y="690880"/>
-            <a:ext cx="10515600" cy="5486083"/>
-          </a:xfrm>
-        </p:spPr>
-        <p:txBody>
-          <a:bodyPr>
-            <a:normAutofit fontScale="92500" lnSpcReduction="20000"/>
-          </a:bodyPr>
-          <a:lstStyle/>
-          <a:p>
-            <a:pPr marL="0" indent="0">
-              <a:buNone/>
-            </a:pPr>
-            <a:r>
-              <a:rPr lang="en-US" altLang="ko-KR" dirty="0" smtClean="0"/>
-              <a:t>void </a:t>
-            </a:r>
-            <a:r>
-              <a:rPr lang="en-US" altLang="ko-KR" dirty="0" err="1" smtClean="0"/>
-              <a:t>glStencilOp</a:t>
-            </a:r>
-            <a:r>
-              <a:rPr lang="en-US" altLang="ko-KR" dirty="0" smtClean="0"/>
-              <a:t>(</a:t>
-            </a:r>
-            <a:r>
-              <a:rPr lang="en-US" altLang="ko-KR" dirty="0" err="1" smtClean="0"/>
-              <a:t>GLenum</a:t>
-            </a:r>
-            <a:r>
-              <a:rPr lang="en-US" altLang="ko-KR" dirty="0" smtClean="0"/>
-              <a:t> </a:t>
-            </a:r>
-            <a:r>
-              <a:rPr lang="en-US" altLang="ko-KR" dirty="0" err="1" smtClean="0"/>
-              <a:t>sfail</a:t>
-            </a:r>
-            <a:r>
-              <a:rPr lang="en-US" altLang="ko-KR" dirty="0" smtClean="0"/>
-              <a:t>, </a:t>
-            </a:r>
-            <a:r>
-              <a:rPr lang="en-US" altLang="ko-KR" dirty="0" err="1" smtClean="0"/>
-              <a:t>GLenum</a:t>
-            </a:r>
-            <a:r>
-              <a:rPr lang="en-US" altLang="ko-KR" dirty="0" smtClean="0"/>
-              <a:t> </a:t>
-            </a:r>
-            <a:r>
-              <a:rPr lang="en-US" altLang="ko-KR" dirty="0" err="1" smtClean="0"/>
-              <a:t>dpfail</a:t>
-            </a:r>
-            <a:r>
-              <a:rPr lang="en-US" altLang="ko-KR" dirty="0" smtClean="0"/>
-              <a:t>, </a:t>
-            </a:r>
-            <a:r>
-              <a:rPr lang="en-US" altLang="ko-KR" dirty="0" err="1" smtClean="0"/>
-              <a:t>GLenum</a:t>
-            </a:r>
-            <a:r>
-              <a:rPr lang="en-US" altLang="ko-KR" dirty="0" smtClean="0"/>
-              <a:t> </a:t>
-            </a:r>
-            <a:r>
-              <a:rPr lang="en-US" altLang="ko-KR" dirty="0" err="1" smtClean="0"/>
-              <a:t>dppass</a:t>
-            </a:r>
-            <a:r>
-              <a:rPr lang="en-US" altLang="ko-KR" dirty="0" smtClean="0"/>
-              <a:t>);</a:t>
-            </a:r>
-          </a:p>
-          <a:p>
-            <a:pPr marL="0" indent="0">
-              <a:buNone/>
-            </a:pPr>
-            <a:endParaRPr lang="en-US" altLang="ko-KR" dirty="0" smtClean="0"/>
-          </a:p>
-          <a:p>
-            <a:pPr marL="0" indent="0">
-              <a:buNone/>
-            </a:pPr>
-            <a:r>
-              <a:rPr lang="en-US" altLang="ko-KR" dirty="0" smtClean="0"/>
-              <a:t>Parameters</a:t>
-            </a:r>
-          </a:p>
-          <a:p>
-            <a:r>
-              <a:rPr lang="en-US" altLang="ko-KR" dirty="0" err="1" smtClean="0"/>
-              <a:t>sfail</a:t>
-            </a:r>
-            <a:endParaRPr lang="en-US" altLang="ko-KR" dirty="0" smtClean="0"/>
-          </a:p>
-          <a:p>
-            <a:pPr lvl="1"/>
-            <a:r>
-              <a:rPr lang="en-US" altLang="ko-KR" dirty="0" smtClean="0"/>
-              <a:t>Specifies the action to take when the stencil test fails. Eight symbolic constants are accepted: GL_KEEP, GL_ZERO, GL_REPLACE, GL_INCR, GL_INCR_WRAP, GL_DECR, GL_DECR_WRAP, and GL_INVERT. The initial value is GL_KEEP. </a:t>
-            </a:r>
-          </a:p>
-          <a:p>
-            <a:r>
-              <a:rPr lang="en-US" altLang="ko-KR" dirty="0" err="1" smtClean="0"/>
-              <a:t>dpfail</a:t>
-            </a:r>
-            <a:endParaRPr lang="en-US" altLang="ko-KR" dirty="0" smtClean="0"/>
-          </a:p>
-          <a:p>
-            <a:pPr lvl="1"/>
-            <a:r>
-              <a:rPr lang="en-US" altLang="ko-KR" dirty="0" smtClean="0"/>
-              <a:t>Specifies the stencil action when the stencil test passes, but the depth test fails. </a:t>
-            </a:r>
-            <a:r>
-              <a:rPr lang="en-US" altLang="ko-KR" dirty="0" err="1" smtClean="0"/>
-              <a:t>dpfail</a:t>
-            </a:r>
-            <a:r>
-              <a:rPr lang="en-US" altLang="ko-KR" dirty="0" smtClean="0"/>
-              <a:t> accepts the same symbolic constants as </a:t>
-            </a:r>
-            <a:r>
-              <a:rPr lang="en-US" altLang="ko-KR" dirty="0" err="1" smtClean="0"/>
-              <a:t>sfail</a:t>
-            </a:r>
-            <a:r>
-              <a:rPr lang="en-US" altLang="ko-KR" dirty="0" smtClean="0"/>
-              <a:t>. The initial value is GL_KEEP. </a:t>
-            </a:r>
-          </a:p>
-          <a:p>
-            <a:r>
-              <a:rPr lang="en-US" altLang="ko-KR" dirty="0" err="1" smtClean="0"/>
-              <a:t>dppass</a:t>
-            </a:r>
-            <a:endParaRPr lang="en-US" altLang="ko-KR" dirty="0" smtClean="0"/>
-          </a:p>
-          <a:p>
-            <a:pPr lvl="1"/>
-            <a:r>
-              <a:rPr lang="en-US" altLang="ko-KR" dirty="0" smtClean="0"/>
-              <a:t>Specifies the stencil action when both the stencil test and the depth test pass, or when the stencil test passes and either there is no depth buffer or depth testing is not enabled. </a:t>
-            </a:r>
-            <a:r>
-              <a:rPr lang="en-US" altLang="ko-KR" dirty="0" err="1" smtClean="0"/>
-              <a:t>dppass</a:t>
-            </a:r>
-            <a:r>
-              <a:rPr lang="en-US" altLang="ko-KR" dirty="0" smtClean="0"/>
-              <a:t> accepts the same symbolic constants as </a:t>
-            </a:r>
-            <a:r>
-              <a:rPr lang="en-US" altLang="ko-KR" dirty="0" err="1" smtClean="0"/>
-              <a:t>sfail</a:t>
-            </a:r>
-            <a:r>
-              <a:rPr lang="en-US" altLang="ko-KR" dirty="0" smtClean="0"/>
-              <a:t>. The initial value is GL_KEEP. </a:t>
-            </a:r>
-            <a:endParaRPr lang="ko-KR" altLang="en-US" dirty="0"/>
-          </a:p>
-        </p:txBody>
-      </p:sp>
-    </p:spTree>
-    <p:extLst>
-      <p:ext uri="{BB962C8B-B14F-4D97-AF65-F5344CB8AC3E}">
-        <p14:creationId xmlns:p14="http://schemas.microsoft.com/office/powerpoint/2010/main" val="1838103028"/>
-      </p:ext>
-    </p:extLst>
-  </p:cSld>
-  <p:clrMapOvr>
-    <a:masterClrMapping/>
-  </p:clrMapOvr>
-</p:sld>
-</file>
-
-<file path=ppt/slides/slide9.xml><?xml version="1.0" encoding="utf-8"?>
-<p:sld xmlns:a="http://schemas.openxmlformats.org/drawingml/2006/main" xmlns:r="http://schemas.openxmlformats.org/officeDocument/2006/relationships" xmlns:p="http://schemas.openxmlformats.org/presentationml/2006/main">
-  <p:cSld>
-    <p:spTree>
-      <p:nvGrpSpPr>
-        <p:cNvPr id="1" name=""/>
-        <p:cNvGrpSpPr/>
-        <p:nvPr/>
-      </p:nvGrpSpPr>
-      <p:grpSpPr>
-        <a:xfrm>
-          <a:off x="0" y="0"/>
-          <a:ext cx="0" cy="0"/>
-          <a:chOff x="0" y="0"/>
-          <a:chExt cx="0" cy="0"/>
-        </a:xfrm>
-      </p:grpSpPr>
-      <p:sp>
-        <p:nvSpPr>
-          <p:cNvPr id="2" name="제목 1"/>
-          <p:cNvSpPr>
-            <a:spLocks noGrp="1"/>
-          </p:cNvSpPr>
-          <p:nvPr>
-            <p:ph type="title"/>
-          </p:nvPr>
-        </p:nvSpPr>
-        <p:spPr/>
-        <p:txBody>
-          <a:bodyPr/>
-          <a:lstStyle/>
-          <a:p>
-            <a:r>
-              <a:rPr lang="en-US" altLang="ko-KR" dirty="0" smtClean="0"/>
-              <a:t>Mirror</a:t>
-            </a:r>
-            <a:endParaRPr lang="ko-KR" altLang="en-US" dirty="0"/>
-          </a:p>
-        </p:txBody>
-      </p:sp>
-      <p:pic>
-        <p:nvPicPr>
-          <p:cNvPr id="4" name="내용 개체 틀 3"/>
-          <p:cNvPicPr>
-            <a:picLocks noGrp="1" noChangeAspect="1"/>
-          </p:cNvPicPr>
-          <p:nvPr>
-            <p:ph idx="1"/>
-          </p:nvPr>
-        </p:nvPicPr>
-        <p:blipFill>
-          <a:blip r:embed="rId2"/>
-          <a:stretch>
-            <a:fillRect/>
-          </a:stretch>
-        </p:blipFill>
-        <p:spPr>
-          <a:xfrm>
-            <a:off x="3382579" y="365125"/>
-            <a:ext cx="5812221" cy="6159446"/>
-          </a:xfrm>
-          <a:prstGeom prst="rect">
-            <a:avLst/>
-          </a:prstGeom>
-        </p:spPr>
-      </p:pic>
-    </p:spTree>
-    <p:extLst>
-      <p:ext uri="{BB962C8B-B14F-4D97-AF65-F5344CB8AC3E}">
-        <p14:creationId xmlns:p14="http://schemas.microsoft.com/office/powerpoint/2010/main" val="3858909127"/>
-      </p:ext>
-    </p:extLst>
-  </p:cSld>
-  <p:clrMapOvr>
-    <a:masterClrMapping/>
-  </p:clrMapOvr>
 </p:sld>
 </file>
 
@@ -5286,7 +6074,7 @@
   <a:extraClrSchemeLst/>
   <a:extLst>
     <a:ext uri="{05A4C25C-085E-4340-85A3-A5531E510DB2}">
-      <thm15:themeFamily xmlns:thm15="http://schemas.microsoft.com/office/thememl/2012/main" name="Office Theme" id="{62F939B6-93AF-4DB8-9C6B-D6C7DFDC589F}" vid="{4A3C46E8-61CC-4603-A589-7422A47A8E4A}"/>
+      <thm15:themeFamily xmlns:thm15="http://schemas.microsoft.com/office/thememl/2012/main" xmlns="" name="Office Theme" id="{62F939B6-93AF-4DB8-9C6B-D6C7DFDC589F}" vid="{4A3C46E8-61CC-4603-A589-7422A47A8E4A}"/>
     </a:ext>
   </a:extLst>
 </a:theme>
